--- a/פרוייקט מטסטביליות.pptx
+++ b/פרוייקט מטסטביליות.pptx
@@ -1874,10 +1874,41 @@
             </a:lnSpc>
           </a:pPr>
           <a:r>
-            <a:rPr lang="he-IL" b="0" i="0" baseline="0"/>
-            <a:t>הן צורכות פחות משאבים מאשר אלגוריתמי מיון אחרים, כמו Quicksort ו-Merge Sort, עבור קלטים גדולים. </a:t>
+            <a:rPr lang="he-IL" b="0" i="0" baseline="0" dirty="0"/>
+            <a:t>הן צורכות פחות משאבים מאשר אלגוריתמי מיון   ואחרים, כמו </a:t>
           </a:r>
-          <a:endParaRPr lang="en-US"/>
+          <a:r>
+            <a:rPr lang="he-IL" b="0" i="0" baseline="0" dirty="0" err="1"/>
+            <a:t>Quicksort</a:t>
+          </a:r>
+          <a:r>
+            <a:rPr lang="he-IL" b="0" i="0" baseline="0" dirty="0"/>
+            <a:t> </a:t>
+          </a:r>
+          <a:r>
+            <a:rPr lang="he-IL" b="0" i="0" baseline="0" dirty="0" err="1"/>
+            <a:t>Merge</a:t>
+          </a:r>
+          <a:r>
+            <a:rPr lang="he-IL" b="0" i="0" baseline="0" dirty="0"/>
+            <a:t> </a:t>
+          </a:r>
+          <a:r>
+            <a:rPr lang="he-IL" b="0" i="0" baseline="0" dirty="0" err="1"/>
+            <a:t>Sort</a:t>
+          </a:r>
+          <a:r>
+            <a:rPr lang="he-IL" b="0" i="0" baseline="0" dirty="0"/>
+            <a:t>, </a:t>
+          </a:r>
+          <a:br>
+            <a:rPr lang="en-US" b="0" i="0" baseline="0" dirty="0"/>
+          </a:br>
+          <a:r>
+            <a:rPr lang="he-IL" b="0" i="0" baseline="0" dirty="0"/>
+            <a:t>עבור קלטים גדולים. </a:t>
+          </a:r>
+          <a:endParaRPr lang="en-US" dirty="0"/>
         </a:p>
       </dgm:t>
     </dgm:pt>
@@ -3462,10 +3493,41 @@
             <a:buNone/>
           </a:pPr>
           <a:r>
-            <a:rPr lang="he-IL" sz="1700" b="0" i="0" kern="1200" baseline="0"/>
-            <a:t>הן צורכות פחות משאבים מאשר אלגוריתמי מיון אחרים, כמו Quicksort ו-Merge Sort, עבור קלטים גדולים. </a:t>
+            <a:rPr lang="he-IL" sz="1700" b="0" i="0" kern="1200" baseline="0" dirty="0"/>
+            <a:t>הן צורכות פחות משאבים מאשר אלגוריתמי מיון   ואחרים, כמו </a:t>
           </a:r>
-          <a:endParaRPr lang="en-US" sz="1700" kern="1200"/>
+          <a:r>
+            <a:rPr lang="he-IL" sz="1700" b="0" i="0" kern="1200" baseline="0" dirty="0" err="1"/>
+            <a:t>Quicksort</a:t>
+          </a:r>
+          <a:r>
+            <a:rPr lang="he-IL" sz="1700" b="0" i="0" kern="1200" baseline="0" dirty="0"/>
+            <a:t> </a:t>
+          </a:r>
+          <a:r>
+            <a:rPr lang="he-IL" sz="1700" b="0" i="0" kern="1200" baseline="0" dirty="0" err="1"/>
+            <a:t>Merge</a:t>
+          </a:r>
+          <a:r>
+            <a:rPr lang="he-IL" sz="1700" b="0" i="0" kern="1200" baseline="0" dirty="0"/>
+            <a:t> </a:t>
+          </a:r>
+          <a:r>
+            <a:rPr lang="he-IL" sz="1700" b="0" i="0" kern="1200" baseline="0" dirty="0" err="1"/>
+            <a:t>Sort</a:t>
+          </a:r>
+          <a:r>
+            <a:rPr lang="he-IL" sz="1700" b="0" i="0" kern="1200" baseline="0" dirty="0"/>
+            <a:t>, </a:t>
+          </a:r>
+          <a:br>
+            <a:rPr lang="en-US" sz="1700" b="0" i="0" kern="1200" baseline="0" dirty="0"/>
+          </a:br>
+          <a:r>
+            <a:rPr lang="he-IL" sz="1700" b="0" i="0" kern="1200" baseline="0" dirty="0"/>
+            <a:t>עבור קלטים גדולים. </a:t>
+          </a:r>
+          <a:endParaRPr lang="en-US" sz="1700" kern="1200" dirty="0"/>
         </a:p>
       </dsp:txBody>
       <dsp:txXfrm>
@@ -10800,7 +10862,7 @@
                   <a:buAutoNum type="arabicPeriod"/>
                 </a:pPr>
                 <a:r>
-                  <a:rPr lang="en-US" kern="100" err="1">
+                  <a:rPr lang="en-US" kern="100" dirty="0" err="1">
                     <a:effectLst/>
                     <a:latin typeface="Arial" panose="020B0604020202020204" pitchFamily="34" charset="0"/>
                     <a:ea typeface="Aptos" panose="020B0004020202020204" pitchFamily="34" charset="0"/>
@@ -10809,7 +10871,7 @@
                   <a:t>Selction_newtwork</a:t>
                 </a:r>
                 <a:r>
-                  <a:rPr lang="en-US" kern="100">
+                  <a:rPr lang="en-US" kern="100" dirty="0">
                     <a:effectLst/>
                     <a:latin typeface="Arial" panose="020B0604020202020204" pitchFamily="34" charset="0"/>
                     <a:ea typeface="Aptos" panose="020B0004020202020204" pitchFamily="34" charset="0"/>
@@ -10818,7 +10880,7 @@
                   <a:t>(</a:t>
                 </a:r>
                 <a:r>
-                  <a:rPr lang="en-US" kern="100" err="1">
+                  <a:rPr lang="en-US" kern="100" dirty="0" err="1">
                     <a:effectLst/>
                     <a:latin typeface="Arial" panose="020B0604020202020204" pitchFamily="34" charset="0"/>
                     <a:ea typeface="Aptos" panose="020B0004020202020204" pitchFamily="34" charset="0"/>
@@ -10827,7 +10889,7 @@
                   <a:t>arr,k</a:t>
                 </a:r>
                 <a:r>
-                  <a:rPr lang="en-US" kern="100">
+                  <a:rPr lang="en-US" kern="100" dirty="0">
                     <a:effectLst/>
                     <a:latin typeface="Arial" panose="020B0604020202020204" pitchFamily="34" charset="0"/>
                     <a:ea typeface="Aptos" panose="020B0004020202020204" pitchFamily="34" charset="0"/>
@@ -10845,14 +10907,14 @@
                   <a:buAutoNum type="arabicPeriod"/>
                 </a:pPr>
                 <a:r>
-                  <a:rPr lang="en-US" kern="100">
+                  <a:rPr lang="en-US" kern="100" dirty="0">
                     <a:latin typeface="Arial" panose="020B0604020202020204" pitchFamily="34" charset="0"/>
                     <a:ea typeface="Aptos" panose="020B0004020202020204" pitchFamily="34" charset="0"/>
                     <a:cs typeface="Arial" panose="020B0604020202020204" pitchFamily="34" charset="0"/>
                   </a:rPr>
                   <a:t>Correct the gray numbers to equal numbers</a:t>
                 </a:r>
-                <a:endParaRPr lang="en-US" kern="100">
+                <a:endParaRPr lang="en-US" kern="100" dirty="0">
                   <a:effectLst/>
                   <a:latin typeface="Aptos" panose="020B0004020202020204" pitchFamily="34" charset="0"/>
                   <a:ea typeface="Aptos" panose="020B0004020202020204" pitchFamily="34" charset="0"/>
@@ -10868,7 +10930,7 @@
                   <a:buAutoNum type="arabicPeriod"/>
                 </a:pPr>
                 <a:r>
-                  <a:rPr lang="en-US" kern="100">
+                  <a:rPr lang="en-US" kern="100" dirty="0">
                     <a:effectLst/>
                     <a:latin typeface="Arial" panose="020B0604020202020204" pitchFamily="34" charset="0"/>
                     <a:ea typeface="Aptos" panose="020B0004020202020204" pitchFamily="34" charset="0"/>
@@ -10876,7 +10938,7 @@
                   </a:rPr>
                   <a:t>Compare the first half with the second half of the array(first to first, second to second and etc.) using half cleaner</a:t>
                 </a:r>
-                <a:endParaRPr lang="en-US" kern="100">
+                <a:endParaRPr lang="en-US" kern="100" dirty="0">
                   <a:effectLst/>
                   <a:latin typeface="Aptos" panose="020B0004020202020204" pitchFamily="34" charset="0"/>
                   <a:ea typeface="Aptos" panose="020B0004020202020204" pitchFamily="34" charset="0"/>
@@ -10892,7 +10954,7 @@
                   <a:buAutoNum type="arabicPeriod"/>
                 </a:pPr>
                 <a:r>
-                  <a:rPr lang="en-US" kern="100">
+                  <a:rPr lang="en-US" kern="100" dirty="0">
                     <a:effectLst/>
                     <a:latin typeface="Arial" panose="020B0604020202020204" pitchFamily="34" charset="0"/>
                     <a:ea typeface="Aptos" panose="020B0004020202020204" pitchFamily="34" charset="0"/>
@@ -10901,7 +10963,7 @@
                   <a:t>Replace if needed the number in the first half with the second half with greater to the second and lowest to the first half(it mean if a in second and b in first and </a:t>
                 </a:r>
                 <a:r>
-                  <a:rPr lang="en-US" kern="100" err="1">
+                  <a:rPr lang="en-US" kern="100" dirty="0" err="1">
                     <a:effectLst/>
                     <a:latin typeface="Arial" panose="020B0604020202020204" pitchFamily="34" charset="0"/>
                     <a:ea typeface="Aptos" panose="020B0004020202020204" pitchFamily="34" charset="0"/>
@@ -10910,7 +10972,7 @@
                   <a:t>and</a:t>
                 </a:r>
                 <a:r>
-                  <a:rPr lang="en-US" kern="100">
+                  <a:rPr lang="en-US" kern="100" dirty="0">
                     <a:effectLst/>
                     <a:latin typeface="Arial" panose="020B0604020202020204" pitchFamily="34" charset="0"/>
                     <a:ea typeface="Aptos" panose="020B0004020202020204" pitchFamily="34" charset="0"/>
@@ -10918,7 +10980,7 @@
                   </a:rPr>
                   <a:t> b&gt;a so a and b switch)</a:t>
                 </a:r>
-                <a:endParaRPr lang="en-US" kern="100">
+                <a:endParaRPr lang="en-US" kern="100" dirty="0">
                   <a:effectLst/>
                   <a:latin typeface="Aptos" panose="020B0004020202020204" pitchFamily="34" charset="0"/>
                   <a:ea typeface="Aptos" panose="020B0004020202020204" pitchFamily="34" charset="0"/>
@@ -10934,16 +10996,16 @@
                   <a:buAutoNum type="arabicPeriod"/>
                 </a:pPr>
                 <a:r>
-                  <a:rPr lang="en-US" kern="100">
+                  <a:rPr lang="en-US" kern="100" dirty="0">
                     <a:effectLst/>
                     <a:latin typeface="Arial" panose="020B0604020202020204" pitchFamily="34" charset="0"/>
                     <a:ea typeface="Aptos" panose="020B0004020202020204" pitchFamily="34" charset="0"/>
                     <a:cs typeface="Arial" panose="020B0604020202020204" pitchFamily="34" charset="0"/>
                   </a:rPr>
-                  <a:t>Return on 2 and 3 until If length(</a:t>
+                  <a:t>Return on 2 and 4 until If length(</a:t>
                 </a:r>
                 <a:r>
-                  <a:rPr lang="en-US" kern="100" err="1">
+                  <a:rPr lang="en-US" kern="100" dirty="0" err="1">
                     <a:effectLst/>
                     <a:latin typeface="Arial" panose="020B0604020202020204" pitchFamily="34" charset="0"/>
                     <a:ea typeface="Aptos" panose="020B0004020202020204" pitchFamily="34" charset="0"/>
@@ -10952,7 +11014,7 @@
                   <a:t>arr</a:t>
                 </a:r>
                 <a:r>
-                  <a:rPr lang="en-US" kern="100">
+                  <a:rPr lang="en-US" kern="100" dirty="0">
                     <a:effectLst/>
                     <a:latin typeface="Arial" panose="020B0604020202020204" pitchFamily="34" charset="0"/>
                     <a:ea typeface="Aptos" panose="020B0004020202020204" pitchFamily="34" charset="0"/>
@@ -10961,7 +11023,7 @@
                   <a:t>)==1 ,with the half k in it, and each iteration defined </a:t>
                 </a:r>
                 <a:r>
-                  <a:rPr lang="en-US" kern="100" err="1">
+                  <a:rPr lang="en-US" kern="100" dirty="0" err="1">
                     <a:effectLst/>
                     <a:latin typeface="Arial" panose="020B0604020202020204" pitchFamily="34" charset="0"/>
                     <a:ea typeface="Aptos" panose="020B0004020202020204" pitchFamily="34" charset="0"/>
@@ -10970,7 +11032,7 @@
                   <a:t>k_new</a:t>
                 </a:r>
                 <a:r>
-                  <a:rPr lang="en-US" kern="100">
+                  <a:rPr lang="en-US" kern="100" dirty="0">
                     <a:effectLst/>
                     <a:latin typeface="Arial" panose="020B0604020202020204" pitchFamily="34" charset="0"/>
                     <a:ea typeface="Aptos" panose="020B0004020202020204" pitchFamily="34" charset="0"/>
@@ -11055,7 +11117,7 @@
                     </m:d>
                   </m:oMath>
                 </a14:m>
-                <a:endParaRPr lang="en-US" kern="100">
+                <a:endParaRPr lang="en-US" kern="100" dirty="0">
                   <a:effectLst/>
                   <a:latin typeface="Aptos" panose="020B0004020202020204" pitchFamily="34" charset="0"/>
                   <a:ea typeface="Aptos" panose="020B0004020202020204" pitchFamily="34" charset="0"/>
@@ -13982,7 +14044,7 @@
                   <a:buAutoNum type="arabicPeriod"/>
                 </a:pPr>
                 <a:r>
-                  <a:rPr lang="en-US" sz="1700" kern="100" err="1">
+                  <a:rPr lang="en-US" sz="1700" kern="100" dirty="0" err="1">
                     <a:effectLst/>
                     <a:latin typeface="Arial" panose="020B0604020202020204" pitchFamily="34" charset="0"/>
                     <a:ea typeface="Aptos" panose="020B0004020202020204" pitchFamily="34" charset="0"/>
@@ -13991,7 +14053,7 @@
                   <a:t>Selction_newtwork_metastabily</a:t>
                 </a:r>
                 <a:r>
-                  <a:rPr lang="en-US" sz="1700" kern="100">
+                  <a:rPr lang="en-US" sz="1700" kern="100" dirty="0">
                     <a:effectLst/>
                     <a:latin typeface="Arial" panose="020B0604020202020204" pitchFamily="34" charset="0"/>
                     <a:ea typeface="Aptos" panose="020B0004020202020204" pitchFamily="34" charset="0"/>
@@ -14000,7 +14062,7 @@
                   <a:t>(</a:t>
                 </a:r>
                 <a:r>
-                  <a:rPr lang="en-US" sz="1700" kern="100" err="1">
+                  <a:rPr lang="en-US" sz="1700" kern="100" dirty="0" err="1">
                     <a:effectLst/>
                     <a:latin typeface="Arial" panose="020B0604020202020204" pitchFamily="34" charset="0"/>
                     <a:ea typeface="Aptos" panose="020B0004020202020204" pitchFamily="34" charset="0"/>
@@ -14009,7 +14071,7 @@
                   <a:t>arr,k</a:t>
                 </a:r>
                 <a:r>
-                  <a:rPr lang="en-US" sz="1700" kern="100">
+                  <a:rPr lang="en-US" sz="1700" kern="100" dirty="0">
                     <a:effectLst/>
                     <a:latin typeface="Arial" panose="020B0604020202020204" pitchFamily="34" charset="0"/>
                     <a:ea typeface="Aptos" panose="020B0004020202020204" pitchFamily="34" charset="0"/>
@@ -14017,7 +14079,133 @@
                   </a:rPr>
                   <a:t>)</a:t>
                 </a:r>
-                <a:endParaRPr lang="en-US" sz="1700" kern="100">
+                <a:endParaRPr lang="en-US" sz="1700" kern="100" dirty="0">
+                  <a:effectLst/>
+                  <a:latin typeface="Aptos" panose="020B0004020202020204" pitchFamily="34" charset="0"/>
+                  <a:ea typeface="Aptos" panose="020B0004020202020204" pitchFamily="34" charset="0"/>
+                  <a:cs typeface="Arial" panose="020B0604020202020204" pitchFamily="34" charset="0"/>
+                </a:endParaRPr>
+              </a:p>
+              <a:p>
+                <a:pPr marL="342900" lvl="0" indent="-342900" rtl="0">
+                  <a:lnSpc>
+                    <a:spcPct val="110000"/>
+                  </a:lnSpc>
+                  <a:spcAft>
+                    <a:spcPts val="800"/>
+                  </a:spcAft>
+                  <a:buFont typeface="+mj-lt"/>
+                  <a:buAutoNum type="arabicPeriod"/>
+                </a:pPr>
+                <a:r>
+                  <a:rPr lang="en-US" sz="1700" kern="100" dirty="0">
+                    <a:effectLst/>
+                    <a:latin typeface="Arial" panose="020B0604020202020204" pitchFamily="34" charset="0"/>
+                    <a:ea typeface="Aptos" panose="020B0004020202020204" pitchFamily="34" charset="0"/>
+                    <a:cs typeface="Arial" panose="020B0604020202020204" pitchFamily="34" charset="0"/>
+                  </a:rPr>
+                  <a:t>Compare the first half with the second half of the array(first to first, second to second and etc.) using half cleaner</a:t>
+                </a:r>
+                <a:endParaRPr lang="en-US" sz="1700" kern="100" dirty="0">
+                  <a:effectLst/>
+                  <a:latin typeface="Aptos" panose="020B0004020202020204" pitchFamily="34" charset="0"/>
+                  <a:ea typeface="Aptos" panose="020B0004020202020204" pitchFamily="34" charset="0"/>
+                  <a:cs typeface="Arial" panose="020B0604020202020204" pitchFamily="34" charset="0"/>
+                </a:endParaRPr>
+              </a:p>
+              <a:p>
+                <a:pPr marL="342900" lvl="0" indent="-342900" rtl="0">
+                  <a:lnSpc>
+                    <a:spcPct val="110000"/>
+                  </a:lnSpc>
+                  <a:spcAft>
+                    <a:spcPts val="800"/>
+                  </a:spcAft>
+                  <a:buFont typeface="+mj-lt"/>
+                  <a:buAutoNum type="arabicPeriod"/>
+                </a:pPr>
+                <a:r>
+                  <a:rPr lang="en-US" sz="1700" kern="100" dirty="0">
+                    <a:effectLst/>
+                    <a:latin typeface="Arial" panose="020B0604020202020204" pitchFamily="34" charset="0"/>
+                    <a:ea typeface="Aptos" panose="020B0004020202020204" pitchFamily="34" charset="0"/>
+                    <a:cs typeface="Arial" panose="020B0604020202020204" pitchFamily="34" charset="0"/>
+                  </a:rPr>
+                  <a:t>The compare go like this each variable there was a M inside it replace to be the res of it(for example 00M will be (001,000)) then take the max of the two numbers and compare to the other max of the other number</a:t>
+                </a:r>
+                <a:endParaRPr lang="en-US" sz="1700" kern="100" dirty="0">
+                  <a:effectLst/>
+                  <a:latin typeface="Aptos" panose="020B0004020202020204" pitchFamily="34" charset="0"/>
+                  <a:ea typeface="Aptos" panose="020B0004020202020204" pitchFamily="34" charset="0"/>
+                  <a:cs typeface="Arial" panose="020B0604020202020204" pitchFamily="34" charset="0"/>
+                </a:endParaRPr>
+              </a:p>
+              <a:p>
+                <a:pPr marL="342900" lvl="0" indent="-342900" rtl="0">
+                  <a:lnSpc>
+                    <a:spcPct val="110000"/>
+                  </a:lnSpc>
+                  <a:spcAft>
+                    <a:spcPts val="800"/>
+                  </a:spcAft>
+                  <a:buFont typeface="+mj-lt"/>
+                  <a:buAutoNum type="arabicPeriod"/>
+                </a:pPr>
+                <a:r>
+                  <a:rPr lang="en-US" sz="1700" kern="100" dirty="0">
+                    <a:effectLst/>
+                    <a:latin typeface="Arial" panose="020B0604020202020204" pitchFamily="34" charset="0"/>
+                    <a:ea typeface="Aptos" panose="020B0004020202020204" pitchFamily="34" charset="0"/>
+                    <a:cs typeface="Arial" panose="020B0604020202020204" pitchFamily="34" charset="0"/>
+                  </a:rPr>
+                  <a:t>If the number are equal you need to compare bit by bit In the order of 1&gt;0&gt;M from the MSB to the LSB.</a:t>
+                </a:r>
+                <a:endParaRPr lang="en-US" sz="1700" kern="100" dirty="0">
+                  <a:effectLst/>
+                  <a:latin typeface="Aptos" panose="020B0004020202020204" pitchFamily="34" charset="0"/>
+                  <a:ea typeface="Aptos" panose="020B0004020202020204" pitchFamily="34" charset="0"/>
+                  <a:cs typeface="Arial" panose="020B0604020202020204" pitchFamily="34" charset="0"/>
+                </a:endParaRPr>
+              </a:p>
+              <a:p>
+                <a:pPr marL="342900" lvl="0" indent="-342900" rtl="0">
+                  <a:lnSpc>
+                    <a:spcPct val="110000"/>
+                  </a:lnSpc>
+                  <a:spcAft>
+                    <a:spcPts val="800"/>
+                  </a:spcAft>
+                  <a:buFont typeface="+mj-lt"/>
+                  <a:buAutoNum type="arabicPeriod"/>
+                </a:pPr>
+                <a:r>
+                  <a:rPr lang="en-US" sz="1700" kern="100" dirty="0">
+                    <a:effectLst/>
+                    <a:latin typeface="Arial" panose="020B0604020202020204" pitchFamily="34" charset="0"/>
+                    <a:ea typeface="Aptos" panose="020B0004020202020204" pitchFamily="34" charset="0"/>
+                    <a:cs typeface="Arial" panose="020B0604020202020204" pitchFamily="34" charset="0"/>
+                  </a:rPr>
+                  <a:t>Replace if needed the number in the first half with the second half with greater to the second and lowest to the first half(it mean if a in second and b in first and </a:t>
+                </a:r>
+                <a:r>
+                  <a:rPr lang="en-US" sz="1700" kern="100" dirty="0" err="1">
+                    <a:effectLst/>
+                    <a:latin typeface="Arial" panose="020B0604020202020204" pitchFamily="34" charset="0"/>
+                    <a:ea typeface="Aptos" panose="020B0004020202020204" pitchFamily="34" charset="0"/>
+                    <a:cs typeface="Arial" panose="020B0604020202020204" pitchFamily="34" charset="0"/>
+                  </a:rPr>
+                  <a:t>and</a:t>
+                </a:r>
+                <a:r>
+                  <a:rPr lang="en-US" sz="1700" kern="100" dirty="0">
+                    <a:effectLst/>
+                    <a:latin typeface="Arial" panose="020B0604020202020204" pitchFamily="34" charset="0"/>
+                    <a:ea typeface="Aptos" panose="020B0004020202020204" pitchFamily="34" charset="0"/>
+                    <a:cs typeface="Arial" panose="020B0604020202020204" pitchFamily="34" charset="0"/>
+                  </a:rPr>
+                  <a:t> b&gt;a so a and b switch)</a:t>
+                </a:r>
+                <a:endParaRPr lang="en-US" sz="1700" kern="100" dirty="0">
                   <a:effectLst/>
                   <a:latin typeface="Aptos" panose="020B0004020202020204" pitchFamily="34" charset="0"/>
                   <a:ea typeface="Aptos" panose="020B0004020202020204" pitchFamily="34" charset="0"/>
@@ -14042,136 +14230,10 @@
                     <a:ea typeface="Aptos" panose="020B0004020202020204" pitchFamily="34" charset="0"/>
                     <a:cs typeface="Arial" panose="020B0604020202020204" pitchFamily="34" charset="0"/>
                   </a:rPr>
-                  <a:t>Compare the first half with the second half of the array(first to first, second to second and etc.) using half cleaner</a:t>
-                </a:r>
-                <a:endParaRPr lang="en-US" sz="1700" kern="100">
-                  <a:effectLst/>
-                  <a:latin typeface="Aptos" panose="020B0004020202020204" pitchFamily="34" charset="0"/>
-                  <a:ea typeface="Aptos" panose="020B0004020202020204" pitchFamily="34" charset="0"/>
-                  <a:cs typeface="Arial" panose="020B0604020202020204" pitchFamily="34" charset="0"/>
-                </a:endParaRPr>
-              </a:p>
-              <a:p>
-                <a:pPr marL="342900" lvl="0" indent="-342900" rtl="0">
-                  <a:lnSpc>
-                    <a:spcPct val="110000"/>
-                  </a:lnSpc>
-                  <a:spcAft>
-                    <a:spcPts val="800"/>
-                  </a:spcAft>
-                  <a:buFont typeface="+mj-lt"/>
-                  <a:buAutoNum type="arabicPeriod"/>
-                </a:pPr>
-                <a:r>
-                  <a:rPr lang="en-US" sz="1700" kern="100">
-                    <a:effectLst/>
-                    <a:latin typeface="Arial" panose="020B0604020202020204" pitchFamily="34" charset="0"/>
-                    <a:ea typeface="Aptos" panose="020B0004020202020204" pitchFamily="34" charset="0"/>
-                    <a:cs typeface="Arial" panose="020B0604020202020204" pitchFamily="34" charset="0"/>
-                  </a:rPr>
-                  <a:t>The compare go like this each variable there was a M inside it replace to be the res of it(for example 00M will be (001,000)) then take the max of the two numbers and compare to the other max of the other number</a:t>
-                </a:r>
-                <a:endParaRPr lang="en-US" sz="1700" kern="100">
-                  <a:effectLst/>
-                  <a:latin typeface="Aptos" panose="020B0004020202020204" pitchFamily="34" charset="0"/>
-                  <a:ea typeface="Aptos" panose="020B0004020202020204" pitchFamily="34" charset="0"/>
-                  <a:cs typeface="Arial" panose="020B0604020202020204" pitchFamily="34" charset="0"/>
-                </a:endParaRPr>
-              </a:p>
-              <a:p>
-                <a:pPr marL="342900" lvl="0" indent="-342900" rtl="0">
-                  <a:lnSpc>
-                    <a:spcPct val="110000"/>
-                  </a:lnSpc>
-                  <a:spcAft>
-                    <a:spcPts val="800"/>
-                  </a:spcAft>
-                  <a:buFont typeface="+mj-lt"/>
-                  <a:buAutoNum type="arabicPeriod"/>
-                </a:pPr>
-                <a:r>
-                  <a:rPr lang="en-US" sz="1700" kern="100">
-                    <a:effectLst/>
-                    <a:latin typeface="Arial" panose="020B0604020202020204" pitchFamily="34" charset="0"/>
-                    <a:ea typeface="Aptos" panose="020B0004020202020204" pitchFamily="34" charset="0"/>
-                    <a:cs typeface="Arial" panose="020B0604020202020204" pitchFamily="34" charset="0"/>
-                  </a:rPr>
-                  <a:t>If the number are equal you need to compare bit by bit In the order of 1&gt;0&gt;M from the MSB to the LSB.</a:t>
-                </a:r>
-                <a:endParaRPr lang="en-US" sz="1700" kern="100">
-                  <a:effectLst/>
-                  <a:latin typeface="Aptos" panose="020B0004020202020204" pitchFamily="34" charset="0"/>
-                  <a:ea typeface="Aptos" panose="020B0004020202020204" pitchFamily="34" charset="0"/>
-                  <a:cs typeface="Arial" panose="020B0604020202020204" pitchFamily="34" charset="0"/>
-                </a:endParaRPr>
-              </a:p>
-              <a:p>
-                <a:pPr marL="342900" lvl="0" indent="-342900" rtl="0">
-                  <a:lnSpc>
-                    <a:spcPct val="110000"/>
-                  </a:lnSpc>
-                  <a:spcAft>
-                    <a:spcPts val="800"/>
-                  </a:spcAft>
-                  <a:buFont typeface="+mj-lt"/>
-                  <a:buAutoNum type="arabicPeriod"/>
-                </a:pPr>
-                <a:r>
-                  <a:rPr lang="en-US" sz="1700" kern="100">
-                    <a:effectLst/>
-                    <a:latin typeface="Arial" panose="020B0604020202020204" pitchFamily="34" charset="0"/>
-                    <a:ea typeface="Aptos" panose="020B0004020202020204" pitchFamily="34" charset="0"/>
-                    <a:cs typeface="Arial" panose="020B0604020202020204" pitchFamily="34" charset="0"/>
-                  </a:rPr>
-                  <a:t>Replace if needed the number in the first half with the second half with greater to the second and lowest to the first half(it mean if a in second and b in first and </a:t>
+                  <a:t>Return on 2 and 5 until If length(</a:t>
                 </a:r>
                 <a:r>
-                  <a:rPr lang="en-US" sz="1700" kern="100" err="1">
-                    <a:effectLst/>
-                    <a:latin typeface="Arial" panose="020B0604020202020204" pitchFamily="34" charset="0"/>
-                    <a:ea typeface="Aptos" panose="020B0004020202020204" pitchFamily="34" charset="0"/>
-                    <a:cs typeface="Arial" panose="020B0604020202020204" pitchFamily="34" charset="0"/>
-                  </a:rPr>
-                  <a:t>and</a:t>
-                </a:r>
-                <a:r>
-                  <a:rPr lang="en-US" sz="1700" kern="100">
-                    <a:effectLst/>
-                    <a:latin typeface="Arial" panose="020B0604020202020204" pitchFamily="34" charset="0"/>
-                    <a:ea typeface="Aptos" panose="020B0004020202020204" pitchFamily="34" charset="0"/>
-                    <a:cs typeface="Arial" panose="020B0604020202020204" pitchFamily="34" charset="0"/>
-                  </a:rPr>
-                  <a:t> b&gt;a so a and b switch)</a:t>
-                </a:r>
-                <a:endParaRPr lang="en-US" sz="1700" kern="100">
-                  <a:effectLst/>
-                  <a:latin typeface="Aptos" panose="020B0004020202020204" pitchFamily="34" charset="0"/>
-                  <a:ea typeface="Aptos" panose="020B0004020202020204" pitchFamily="34" charset="0"/>
-                  <a:cs typeface="Arial" panose="020B0604020202020204" pitchFamily="34" charset="0"/>
-                </a:endParaRPr>
-              </a:p>
-              <a:p>
-                <a:pPr marL="342900" lvl="0" indent="-342900" rtl="0">
-                  <a:lnSpc>
-                    <a:spcPct val="110000"/>
-                  </a:lnSpc>
-                  <a:spcAft>
-                    <a:spcPts val="800"/>
-                  </a:spcAft>
-                  <a:buFont typeface="+mj-lt"/>
-                  <a:buAutoNum type="arabicPeriod"/>
-                </a:pPr>
-                <a:r>
-                  <a:rPr lang="en-US" sz="1700" kern="100">
-                    <a:effectLst/>
-                    <a:latin typeface="Arial" panose="020B0604020202020204" pitchFamily="34" charset="0"/>
-                    <a:ea typeface="Aptos" panose="020B0004020202020204" pitchFamily="34" charset="0"/>
-                    <a:cs typeface="Arial" panose="020B0604020202020204" pitchFamily="34" charset="0"/>
-                  </a:rPr>
-                  <a:t>Return on 2 and 3 until If length(</a:t>
-                </a:r>
-                <a:r>
-                  <a:rPr lang="en-US" sz="1700" kern="100" err="1">
+                  <a:rPr lang="en-US" sz="1700" kern="100" dirty="0" err="1">
                     <a:effectLst/>
                     <a:latin typeface="Arial" panose="020B0604020202020204" pitchFamily="34" charset="0"/>
                     <a:ea typeface="Aptos" panose="020B0004020202020204" pitchFamily="34" charset="0"/>
@@ -14180,7 +14242,7 @@
                   <a:t>arr</a:t>
                 </a:r>
                 <a:r>
-                  <a:rPr lang="en-US" sz="1700" kern="100">
+                  <a:rPr lang="en-US" sz="1700" kern="100" dirty="0">
                     <a:effectLst/>
                     <a:latin typeface="Arial" panose="020B0604020202020204" pitchFamily="34" charset="0"/>
                     <a:ea typeface="Aptos" panose="020B0004020202020204" pitchFamily="34" charset="0"/>
@@ -14189,7 +14251,7 @@
                   <a:t>)==1 ,with the half k in it, and each iteration defined </a:t>
                 </a:r>
                 <a:r>
-                  <a:rPr lang="en-US" sz="1700" kern="100" err="1">
+                  <a:rPr lang="en-US" sz="1700" kern="100" dirty="0" err="1">
                     <a:effectLst/>
                     <a:latin typeface="Arial" panose="020B0604020202020204" pitchFamily="34" charset="0"/>
                     <a:ea typeface="Aptos" panose="020B0004020202020204" pitchFamily="34" charset="0"/>
@@ -14198,7 +14260,7 @@
                   <a:t>k_new</a:t>
                 </a:r>
                 <a:r>
-                  <a:rPr lang="en-US" sz="1700" kern="100">
+                  <a:rPr lang="en-US" sz="1700" kern="100" dirty="0">
                     <a:effectLst/>
                     <a:latin typeface="Arial" panose="020B0604020202020204" pitchFamily="34" charset="0"/>
                     <a:ea typeface="Aptos" panose="020B0004020202020204" pitchFamily="34" charset="0"/>
@@ -14283,7 +14345,7 @@
                     </m:d>
                   </m:oMath>
                 </a14:m>
-                <a:endParaRPr lang="en-US" sz="1700" kern="100">
+                <a:endParaRPr lang="en-US" sz="1700" kern="100" dirty="0">
                   <a:effectLst/>
                   <a:latin typeface="Aptos" panose="020B0004020202020204" pitchFamily="34" charset="0"/>
                   <a:ea typeface="Aptos" panose="020B0004020202020204" pitchFamily="34" charset="0"/>
@@ -14296,7 +14358,7 @@
                     <a:spcPct val="110000"/>
                   </a:lnSpc>
                 </a:pPr>
-                <a:endParaRPr lang="he-IL" sz="1700"/>
+                <a:endParaRPr lang="he-IL" sz="1700" dirty="0"/>
               </a:p>
             </p:txBody>
           </p:sp>
@@ -19685,7 +19747,7 @@
             <p:ph idx="1"/>
             <p:extLst>
               <p:ext uri="{D42A27DB-BD31-4B8C-83A1-F6EECF244321}">
-                <p14:modId xmlns:p14="http://schemas.microsoft.com/office/powerpoint/2010/main" val="739726625"/>
+                <p14:modId xmlns:p14="http://schemas.microsoft.com/office/powerpoint/2010/main" val="2414143432"/>
               </p:ext>
             </p:extLst>
           </p:nvPr>
@@ -20557,7 +20619,7 @@
             </a:r>
             <a:r>
               <a:rPr lang="he-IL" sz="1700" dirty="0"/>
-              <a:t>, כלומר רצפים המורכבים מסדרה יורדת של אלמנטים המתוחם בסדרה עולה. פעולת ה-</a:t>
+              <a:t>, כלומר רצפים המורכבים מסדרה יורדת של אלמנטים ולאחריו סדרה עולה. פעולת ה-</a:t>
             </a:r>
             <a:r>
               <a:rPr lang="en-US" sz="1700" dirty="0"/>
